--- a/Presentacion- Aplicacion movil -Jordan Ordenes - Lino Barrera.pptx
+++ b/Presentacion- Aplicacion movil -Jordan Ordenes - Lino Barrera.pptx
@@ -274,7 +274,7 @@
           <a:p>
             <a:fld id="{79C5A860-F335-4252-AA00-24FB67ED2982}" type="datetime1">
               <a:rPr lang="en-US" smtClean="0"/>
-              <a:t>9/14/2024</a:t>
+              <a:t>9/16/2024</a:t>
             </a:fld>
             <a:endParaRPr lang="en-US"/>
           </a:p>
@@ -473,7 +473,7 @@
           <a:p>
             <a:fld id="{46AB1048-0047-48CA-88BA-D69B470942CF}" type="datetime1">
               <a:rPr lang="en-US" smtClean="0"/>
-              <a:t>9/14/2024</a:t>
+              <a:t>9/16/2024</a:t>
             </a:fld>
             <a:endParaRPr lang="en-US"/>
           </a:p>
@@ -683,7 +683,7 @@
           <a:p>
             <a:fld id="{5BD83879-648C-49A9-81A2-0EF5946532D0}" type="datetime1">
               <a:rPr lang="en-US" smtClean="0"/>
-              <a:t>9/14/2024</a:t>
+              <a:t>9/16/2024</a:t>
             </a:fld>
             <a:endParaRPr lang="en-US"/>
           </a:p>
@@ -881,7 +881,7 @@
           <a:p>
             <a:fld id="{D04BC802-30E3-4658-9CCA-F873646FEC67}" type="datetime1">
               <a:rPr lang="en-US" smtClean="0"/>
-              <a:t>9/14/2024</a:t>
+              <a:t>9/16/2024</a:t>
             </a:fld>
             <a:endParaRPr lang="en-US"/>
           </a:p>
@@ -1159,7 +1159,7 @@
           <a:p>
             <a:fld id="{0AB227A3-19CE-4153-81CE-64EB7AB094B3}" type="datetime1">
               <a:rPr lang="en-US" smtClean="0"/>
-              <a:t>9/14/2024</a:t>
+              <a:t>9/16/2024</a:t>
             </a:fld>
             <a:endParaRPr lang="en-US"/>
           </a:p>
@@ -1426,7 +1426,7 @@
           <a:p>
             <a:fld id="{B819A100-10F6-477E-8847-29D479EF1C92}" type="datetime1">
               <a:rPr lang="en-US" smtClean="0"/>
-              <a:t>9/14/2024</a:t>
+              <a:t>9/16/2024</a:t>
             </a:fld>
             <a:endParaRPr lang="en-US"/>
           </a:p>
@@ -1840,7 +1840,7 @@
           <a:p>
             <a:fld id="{5DF128AB-198A-495F-8475-FDB360C9873F}" type="datetime1">
               <a:rPr lang="en-US" smtClean="0"/>
-              <a:t>9/14/2024</a:t>
+              <a:t>9/16/2024</a:t>
             </a:fld>
             <a:endParaRPr lang="en-US"/>
           </a:p>
@@ -1981,7 +1981,7 @@
           <a:p>
             <a:fld id="{021A235E-F8FD-479F-9FC7-18BE84110877}" type="datetime1">
               <a:rPr lang="en-US" smtClean="0"/>
-              <a:t>9/14/2024</a:t>
+              <a:t>9/16/2024</a:t>
             </a:fld>
             <a:endParaRPr lang="en-US"/>
           </a:p>
@@ -2094,7 +2094,7 @@
           <a:p>
             <a:fld id="{E890F09B-68DA-462E-9DB4-4C9ADAB8CBCC}" type="datetime1">
               <a:rPr lang="en-US" smtClean="0"/>
-              <a:t>9/14/2024</a:t>
+              <a:t>9/16/2024</a:t>
             </a:fld>
             <a:endParaRPr lang="en-US"/>
           </a:p>
@@ -2413,7 +2413,7 @@
           <a:p>
             <a:fld id="{17AC4E36-FABE-47EB-AA7F-C19A93824617}" type="datetime1">
               <a:rPr lang="en-US" smtClean="0"/>
-              <a:t>9/14/2024</a:t>
+              <a:t>9/16/2024</a:t>
             </a:fld>
             <a:endParaRPr lang="en-US"/>
           </a:p>
@@ -2710,7 +2710,7 @@
           <a:p>
             <a:fld id="{F199CE6B-5DE6-4A2D-B72E-5E8969F9F56F}" type="datetime1">
               <a:rPr lang="en-US" smtClean="0"/>
-              <a:t>9/14/2024</a:t>
+              <a:t>9/16/2024</a:t>
             </a:fld>
             <a:endParaRPr lang="en-US"/>
           </a:p>
@@ -3568,7 +3568,7 @@
           <a:p>
             <a:fld id="{F481A142-DA77-4A5F-AD1F-14E6C18F0F5F}" type="datetime1">
               <a:rPr lang="en-US" smtClean="0"/>
-              <a:t>9/14/2024</a:t>
+              <a:t>9/16/2024</a:t>
             </a:fld>
             <a:endParaRPr lang="en-US" dirty="0"/>
           </a:p>
@@ -5585,7 +5585,7 @@
           <a:p>
             <a:r>
               <a:rPr lang="es-MX" dirty="0"/>
-              <a:t>Durante la pandemia, las instituciones de educación superior Duoc ha enfrentado diversos retos, entre ellos la transición de clases presenciales a remotas y luego el retorno a la presencialidad. Este proceso de retorno ha presentado complicaciones logísticas, como el registro de asistencia en clases presenciales por parte de la docencia.</a:t>
+              <a:t>Durante la pandemia, la institución de educación superior DuocUC ha enfrentado diversos retos, entre ellos la transición de clases presenciales a remotas y luego el retorno a la presencialidad. Este proceso de retorno ha presentado complicaciones logísticas, como el registro de asistencia en clases presenciales por parte de la docencia.</a:t>
             </a:r>
             <a:br>
               <a:rPr lang="es-MX" dirty="0"/>
@@ -6483,7 +6483,7 @@
       </p:grpSpPr>
       <p:sp useBgFill="1">
         <p:nvSpPr>
-          <p:cNvPr id="10" name="Background Fill">
+          <p:cNvPr id="62" name="Background Fill">
             <a:extLst>
               <a:ext uri="{FF2B5EF4-FFF2-40B4-BE49-F238E27FC236}">
                 <a16:creationId xmlns:a16="http://schemas.microsoft.com/office/drawing/2014/main" id="{B937640E-EF7A-4A6C-A950-D12B7D5C923E}"/>
@@ -6543,7 +6543,7 @@
       </p:sp>
       <p:sp>
         <p:nvSpPr>
-          <p:cNvPr id="12" name="Rectangle 11">
+          <p:cNvPr id="63" name="Rectangle 57">
             <a:extLst>
               <a:ext uri="{FF2B5EF4-FFF2-40B4-BE49-F238E27FC236}">
                 <a16:creationId xmlns:a16="http://schemas.microsoft.com/office/drawing/2014/main" id="{4E64E4A9-D8D0-4AE7-99BD-EFE51D6EB122}"/>
@@ -6608,7 +6608,7 @@
       </p:sp>
       <p:sp>
         <p:nvSpPr>
-          <p:cNvPr id="18" name="Freeform: Shape 13">
+          <p:cNvPr id="64" name="Freeform: Shape 59">
             <a:extLst>
               <a:ext uri="{FF2B5EF4-FFF2-40B4-BE49-F238E27FC236}">
                 <a16:creationId xmlns:a16="http://schemas.microsoft.com/office/drawing/2014/main" id="{AFD62F46-8DC3-4EDF-BDEF-27C439C6F7BD}"/>
@@ -6970,7 +6970,7 @@
               </a:lnSpc>
             </a:pPr>
             <a:r>
-              <a:rPr lang="es-CL" dirty="0"/>
+              <a:rPr lang="es-CL"/>
               <a:t>Principales Características del Producto</a:t>
             </a:r>
           </a:p>
@@ -7254,7 +7254,7 @@
       </p:grpSpPr>
       <p:sp useBgFill="1">
         <p:nvSpPr>
-          <p:cNvPr id="32" name="Background Fill">
+          <p:cNvPr id="47" name="Background Fill">
             <a:extLst>
               <a:ext uri="{FF2B5EF4-FFF2-40B4-BE49-F238E27FC236}">
                 <a16:creationId xmlns:a16="http://schemas.microsoft.com/office/drawing/2014/main" id="{B937640E-EF7A-4A6C-A950-D12B7D5C923E}"/>
@@ -7314,7 +7314,7 @@
       </p:sp>
       <p:sp>
         <p:nvSpPr>
-          <p:cNvPr id="34" name="Rectangle 33">
+          <p:cNvPr id="48" name="Rectangle 42">
             <a:extLst>
               <a:ext uri="{FF2B5EF4-FFF2-40B4-BE49-F238E27FC236}">
                 <a16:creationId xmlns:a16="http://schemas.microsoft.com/office/drawing/2014/main" id="{4E64E4A9-D8D0-4AE7-99BD-EFE51D6EB122}"/>
@@ -7379,7 +7379,7 @@
       </p:sp>
       <p:sp>
         <p:nvSpPr>
-          <p:cNvPr id="36" name="Freeform: Shape 35">
+          <p:cNvPr id="49" name="Freeform: Shape 44">
             <a:extLst>
               <a:ext uri="{FF2B5EF4-FFF2-40B4-BE49-F238E27FC236}">
                 <a16:creationId xmlns:a16="http://schemas.microsoft.com/office/drawing/2014/main" id="{AFD62F46-8DC3-4EDF-BDEF-27C439C6F7BD}"/>
@@ -7741,9 +7741,10 @@
               </a:lnSpc>
             </a:pPr>
             <a:r>
-              <a:rPr lang="es-CL" dirty="0"/>
+              <a:rPr lang="es-CL"/>
               <a:t>Principales Características del Producto</a:t>
             </a:r>
+            <a:endParaRPr lang="es-CL" dirty="0"/>
           </a:p>
         </p:txBody>
       </p:sp>
